--- a/SQL-Project-presentation.pptx
+++ b/SQL-Project-presentation.pptx
@@ -129,6 +129,8 @@
 <p1510:revInfo xmlns:a="http://schemas.openxmlformats.org/drawingml/2006/main" xmlns:r="http://schemas.openxmlformats.org/officeDocument/2006/relationships" xmlns:p1510="http://schemas.microsoft.com/office/powerpoint/2015/10/main">
   <p1510:revLst>
     <p1510:client id="{590EFB51-09AE-4B3E-BE06-0D121D7478C4}" v="52" dt="2024-11-05T20:16:03.393"/>
+    <p1510:client id="{6BDA75C6-3033-41F6-9A3D-94D5A54CF482}" v="2" dt="2024-11-06T20:09:58.269"/>
+    <p1510:client id="{D658AFBA-3C6B-419B-8770-7E451A78548D}" v="1" dt="2024-11-06T19:44:18.997"/>
   </p1510:revLst>
 </p1510:revInfo>
 </file>
@@ -136,14 +138,62 @@
 <file path=ppt/changesInfos/changesInfo1.xml><?xml version="1.0" encoding="utf-8"?>
 <pc:chgInfo xmlns:a="http://schemas.openxmlformats.org/drawingml/2006/main" xmlns:r="http://schemas.openxmlformats.org/officeDocument/2006/relationships" xmlns:ac="http://schemas.microsoft.com/office/drawing/2013/main/command" xmlns:pc="http://schemas.microsoft.com/office/powerpoint/2013/main/command">
   <pc:docChgLst>
-    <pc:chgData name="Korinne Angela White" userId="829ad592e2f67c35" providerId="LiveId" clId="{590EFB51-09AE-4B3E-BE06-0D121D7478C4}"/>
-    <pc:docChg chg="undo custSel addSld delSld modSld sldOrd">
-      <pc:chgData name="Korinne Angela White" userId="829ad592e2f67c35" providerId="LiveId" clId="{590EFB51-09AE-4B3E-BE06-0D121D7478C4}" dt="2024-11-05T20:16:17.567" v="4783" actId="14100"/>
+    <pc:chgData name="Korinne Angela White" userId="829ad592e2f67c35" providerId="Windows Live" clId="Web-{D658AFBA-3C6B-419B-8770-7E451A78548D}"/>
+    <pc:docChg chg="modSld">
+      <pc:chgData name="Korinne Angela White" userId="829ad592e2f67c35" providerId="Windows Live" clId="Web-{D658AFBA-3C6B-419B-8770-7E451A78548D}" dt="2024-11-06T19:44:18.997" v="0" actId="20577"/>
       <pc:docMkLst>
         <pc:docMk/>
       </pc:docMkLst>
-      <pc:sldChg chg="addSp modSp mod">
-        <pc:chgData name="Korinne Angela White" userId="829ad592e2f67c35" providerId="LiveId" clId="{590EFB51-09AE-4B3E-BE06-0D121D7478C4}" dt="2024-11-04T21:43:54.854" v="2002" actId="403"/>
+      <pc:sldChg chg="modSp">
+        <pc:chgData name="Korinne Angela White" userId="829ad592e2f67c35" providerId="Windows Live" clId="Web-{D658AFBA-3C6B-419B-8770-7E451A78548D}" dt="2024-11-06T19:44:18.997" v="0" actId="20577"/>
+        <pc:sldMkLst>
+          <pc:docMk/>
+          <pc:sldMk cId="2415402509" sldId="257"/>
+        </pc:sldMkLst>
+        <pc:spChg chg="mod">
+          <ac:chgData name="Korinne Angela White" userId="829ad592e2f67c35" providerId="Windows Live" clId="Web-{D658AFBA-3C6B-419B-8770-7E451A78548D}" dt="2024-11-06T19:44:18.997" v="0" actId="20577"/>
+          <ac:spMkLst>
+            <pc:docMk/>
+            <pc:sldMk cId="2415402509" sldId="257"/>
+            <ac:spMk id="3" creationId="{AB95A3EC-15C7-CE30-853B-48D2A67F5B1C}"/>
+          </ac:spMkLst>
+        </pc:spChg>
+      </pc:sldChg>
+    </pc:docChg>
+  </pc:docChgLst>
+  <pc:docChgLst>
+    <pc:chgData name="Korinne Angela White" userId="829ad592e2f67c35" providerId="Windows Live" clId="Web-{6BDA75C6-3033-41F6-9A3D-94D5A54CF482}"/>
+    <pc:docChg chg="modSld">
+      <pc:chgData name="Korinne Angela White" userId="829ad592e2f67c35" providerId="Windows Live" clId="Web-{6BDA75C6-3033-41F6-9A3D-94D5A54CF482}" dt="2024-11-06T20:09:58.269" v="1"/>
+      <pc:docMkLst>
+        <pc:docMk/>
+      </pc:docMkLst>
+      <pc:sldChg chg="addSp delSp">
+        <pc:chgData name="Korinne Angela White" userId="829ad592e2f67c35" providerId="Windows Live" clId="Web-{6BDA75C6-3033-41F6-9A3D-94D5A54CF482}" dt="2024-11-06T20:09:58.269" v="1"/>
+        <pc:sldMkLst>
+          <pc:docMk/>
+          <pc:sldMk cId="4193313255" sldId="256"/>
+        </pc:sldMkLst>
+        <pc:spChg chg="add del">
+          <ac:chgData name="Korinne Angela White" userId="829ad592e2f67c35" providerId="Windows Live" clId="Web-{6BDA75C6-3033-41F6-9A3D-94D5A54CF482}" dt="2024-11-06T20:09:58.269" v="1"/>
+          <ac:spMkLst>
+            <pc:docMk/>
+            <pc:sldMk cId="4193313255" sldId="256"/>
+            <ac:spMk id="8" creationId="{68120AAD-A17C-C893-1B06-D2C58A6DC7E8}"/>
+          </ac:spMkLst>
+        </pc:spChg>
+      </pc:sldChg>
+    </pc:docChg>
+  </pc:docChgLst>
+  <pc:docChgLst>
+    <pc:chgData name="Korinne Angela White" userId="829ad592e2f67c35" providerId="LiveId" clId="{590EFB51-09AE-4B3E-BE06-0D121D7478C4}"/>
+    <pc:docChg chg="undo custSel addSld delSld modSld sldOrd">
+      <pc:chgData name="Korinne Angela White" userId="829ad592e2f67c35" providerId="LiveId" clId="{590EFB51-09AE-4B3E-BE06-0D121D7478C4}" dt="2024-11-06T16:25:39.190" v="5548" actId="20577"/>
+      <pc:docMkLst>
+        <pc:docMk/>
+      </pc:docMkLst>
+      <pc:sldChg chg="addSp modSp mod modNotesTx">
+        <pc:chgData name="Korinne Angela White" userId="829ad592e2f67c35" providerId="LiveId" clId="{590EFB51-09AE-4B3E-BE06-0D121D7478C4}" dt="2024-11-06T16:09:57.727" v="4883" actId="20577"/>
         <pc:sldMkLst>
           <pc:docMk/>
           <pc:sldMk cId="4193313255" sldId="256"/>
@@ -174,7 +224,7 @@
         </pc:spChg>
       </pc:sldChg>
       <pc:sldChg chg="modSp mod ord modNotesTx">
-        <pc:chgData name="Korinne Angela White" userId="829ad592e2f67c35" providerId="LiveId" clId="{590EFB51-09AE-4B3E-BE06-0D121D7478C4}" dt="2024-11-05T20:08:32.250" v="4538" actId="6549"/>
+        <pc:chgData name="Korinne Angela White" userId="829ad592e2f67c35" providerId="LiveId" clId="{590EFB51-09AE-4B3E-BE06-0D121D7478C4}" dt="2024-11-06T16:10:34.305" v="4903" actId="20577"/>
         <pc:sldMkLst>
           <pc:docMk/>
           <pc:sldMk cId="2415402509" sldId="257"/>
@@ -204,7 +254,7 @@
         </pc:spChg>
       </pc:sldChg>
       <pc:sldChg chg="addSp delSp modSp mod ord modNotesTx">
-        <pc:chgData name="Korinne Angela White" userId="829ad592e2f67c35" providerId="LiveId" clId="{590EFB51-09AE-4B3E-BE06-0D121D7478C4}" dt="2024-11-05T20:12:20.463" v="4717" actId="20577"/>
+        <pc:chgData name="Korinne Angela White" userId="829ad592e2f67c35" providerId="LiveId" clId="{590EFB51-09AE-4B3E-BE06-0D121D7478C4}" dt="2024-11-06T16:16:07.790" v="5099" actId="20577"/>
         <pc:sldMkLst>
           <pc:docMk/>
           <pc:sldMk cId="57768834" sldId="259"/>
@@ -256,110 +306,6 @@
             <ac:spMk id="3" creationId="{1682C1F2-2DC2-05E4-D069-DEA99B757620}"/>
           </ac:spMkLst>
         </pc:spChg>
-        <pc:spChg chg="add del">
-          <ac:chgData name="Korinne Angela White" userId="829ad592e2f67c35" providerId="LiveId" clId="{590EFB51-09AE-4B3E-BE06-0D121D7478C4}" dt="2024-11-04T21:23:18.693" v="339" actId="26606"/>
-          <ac:spMkLst>
-            <pc:docMk/>
-            <pc:sldMk cId="785294676" sldId="260"/>
-            <ac:spMk id="10" creationId="{99B5B3C5-A599-465B-B2B9-866E8B2087CE}"/>
-          </ac:spMkLst>
-        </pc:spChg>
-        <pc:spChg chg="add del">
-          <ac:chgData name="Korinne Angela White" userId="829ad592e2f67c35" providerId="LiveId" clId="{590EFB51-09AE-4B3E-BE06-0D121D7478C4}" dt="2024-11-04T21:23:18.693" v="339" actId="26606"/>
-          <ac:spMkLst>
-            <pc:docMk/>
-            <pc:sldMk cId="785294676" sldId="260"/>
-            <ac:spMk id="12" creationId="{25C84982-7DD0-43B1-8A2D-BFA4DF1B4E60}"/>
-          </ac:spMkLst>
-        </pc:spChg>
-        <pc:spChg chg="add del">
-          <ac:chgData name="Korinne Angela White" userId="829ad592e2f67c35" providerId="LiveId" clId="{590EFB51-09AE-4B3E-BE06-0D121D7478C4}" dt="2024-11-04T21:23:18.693" v="339" actId="26606"/>
-          <ac:spMkLst>
-            <pc:docMk/>
-            <pc:sldMk cId="785294676" sldId="260"/>
-            <ac:spMk id="31" creationId="{E2748806-3AF5-4078-830A-C1F26BF1B200}"/>
-          </ac:spMkLst>
-        </pc:spChg>
-        <pc:spChg chg="add del">
-          <ac:chgData name="Korinne Angela White" userId="829ad592e2f67c35" providerId="LiveId" clId="{590EFB51-09AE-4B3E-BE06-0D121D7478C4}" dt="2024-11-04T21:23:18.693" v="339" actId="26606"/>
-          <ac:spMkLst>
-            <pc:docMk/>
-            <pc:sldMk cId="785294676" sldId="260"/>
-            <ac:spMk id="33" creationId="{36C5C053-F6BB-464B-BDD2-9D811A2494A2}"/>
-          </ac:spMkLst>
-        </pc:spChg>
-        <pc:spChg chg="add del">
-          <ac:chgData name="Korinne Angela White" userId="829ad592e2f67c35" providerId="LiveId" clId="{590EFB51-09AE-4B3E-BE06-0D121D7478C4}" dt="2024-11-04T21:23:18.693" v="339" actId="26606"/>
-          <ac:spMkLst>
-            <pc:docMk/>
-            <pc:sldMk cId="785294676" sldId="260"/>
-            <ac:spMk id="35" creationId="{8315D1CC-8D02-4016-AD7A-097E77AAE387}"/>
-          </ac:spMkLst>
-        </pc:spChg>
-        <pc:spChg chg="add del">
-          <ac:chgData name="Korinne Angela White" userId="829ad592e2f67c35" providerId="LiveId" clId="{590EFB51-09AE-4B3E-BE06-0D121D7478C4}" dt="2024-11-04T21:23:18.693" v="339" actId="26606"/>
-          <ac:spMkLst>
-            <pc:docMk/>
-            <pc:sldMk cId="785294676" sldId="260"/>
-            <ac:spMk id="37" creationId="{1CB84D5D-9C64-4481-B8AD-C109F7DB3FC6}"/>
-          </ac:spMkLst>
-        </pc:spChg>
-        <pc:spChg chg="add del">
-          <ac:chgData name="Korinne Angela White" userId="829ad592e2f67c35" providerId="LiveId" clId="{590EFB51-09AE-4B3E-BE06-0D121D7478C4}" dt="2024-11-04T21:23:18.693" v="339" actId="26606"/>
-          <ac:spMkLst>
-            <pc:docMk/>
-            <pc:sldMk cId="785294676" sldId="260"/>
-            <ac:spMk id="39" creationId="{01A9D26D-082A-4101-8D75-863B7B7AB81D}"/>
-          </ac:spMkLst>
-        </pc:spChg>
-        <pc:spChg chg="add del">
-          <ac:chgData name="Korinne Angela White" userId="829ad592e2f67c35" providerId="LiveId" clId="{590EFB51-09AE-4B3E-BE06-0D121D7478C4}" dt="2024-11-04T21:23:18.693" v="339" actId="26606"/>
-          <ac:spMkLst>
-            <pc:docMk/>
-            <pc:sldMk cId="785294676" sldId="260"/>
-            <ac:spMk id="41" creationId="{A0FE0BA4-FE6E-4B91-9A1B-E373720BD3D5}"/>
-          </ac:spMkLst>
-        </pc:spChg>
-        <pc:spChg chg="add del">
-          <ac:chgData name="Korinne Angela White" userId="829ad592e2f67c35" providerId="LiveId" clId="{590EFB51-09AE-4B3E-BE06-0D121D7478C4}" dt="2024-11-04T21:23:18.693" v="339" actId="26606"/>
-          <ac:spMkLst>
-            <pc:docMk/>
-            <pc:sldMk cId="785294676" sldId="260"/>
-            <ac:spMk id="43" creationId="{80E6F154-6DA5-4544-8945-8AF8DE20A63E}"/>
-          </ac:spMkLst>
-        </pc:spChg>
-        <pc:spChg chg="add del">
-          <ac:chgData name="Korinne Angela White" userId="829ad592e2f67c35" providerId="LiveId" clId="{590EFB51-09AE-4B3E-BE06-0D121D7478C4}" dt="2024-11-04T21:23:18.693" v="339" actId="26606"/>
-          <ac:spMkLst>
-            <pc:docMk/>
-            <pc:sldMk cId="785294676" sldId="260"/>
-            <ac:spMk id="45" creationId="{85558ED7-8ED9-4B7F-8138-C5B8A0EC1937}"/>
-          </ac:spMkLst>
-        </pc:spChg>
-        <pc:spChg chg="add del">
-          <ac:chgData name="Korinne Angela White" userId="829ad592e2f67c35" providerId="LiveId" clId="{590EFB51-09AE-4B3E-BE06-0D121D7478C4}" dt="2024-11-04T21:23:18.693" v="339" actId="26606"/>
-          <ac:spMkLst>
-            <pc:docMk/>
-            <pc:sldMk cId="785294676" sldId="260"/>
-            <ac:spMk id="47" creationId="{13E9F88F-5950-42B0-B9A3-898F91835B3F}"/>
-          </ac:spMkLst>
-        </pc:spChg>
-        <pc:spChg chg="add del">
-          <ac:chgData name="Korinne Angela White" userId="829ad592e2f67c35" providerId="LiveId" clId="{590EFB51-09AE-4B3E-BE06-0D121D7478C4}" dt="2024-11-04T21:23:18.693" v="339" actId="26606"/>
-          <ac:spMkLst>
-            <pc:docMk/>
-            <pc:sldMk cId="785294676" sldId="260"/>
-            <ac:spMk id="49" creationId="{34FBEBF3-C941-4CB0-8AC2-3B50E1371BBF}"/>
-          </ac:spMkLst>
-        </pc:spChg>
-        <pc:grpChg chg="add del">
-          <ac:chgData name="Korinne Angela White" userId="829ad592e2f67c35" providerId="LiveId" clId="{590EFB51-09AE-4B3E-BE06-0D121D7478C4}" dt="2024-11-04T21:23:18.693" v="339" actId="26606"/>
-          <ac:grpSpMkLst>
-            <pc:docMk/>
-            <pc:sldMk cId="785294676" sldId="260"/>
-            <ac:grpSpMk id="14" creationId="{1D912E1C-3BBA-42F0-A3EE-FEC382E7230A}"/>
-          </ac:grpSpMkLst>
-        </pc:grpChg>
         <pc:picChg chg="add mod ord">
           <ac:chgData name="Korinne Angela White" userId="829ad592e2f67c35" providerId="LiveId" clId="{590EFB51-09AE-4B3E-BE06-0D121D7478C4}" dt="2024-11-05T19:40:16.539" v="3991" actId="14100"/>
           <ac:picMkLst>
@@ -406,22 +352,6 @@
             <ac:spMk id="2" creationId="{0D930A4E-9EAD-3670-310C-551DE0FC3E14}"/>
           </ac:spMkLst>
         </pc:spChg>
-        <pc:spChg chg="del mod">
-          <ac:chgData name="Korinne Angela White" userId="829ad592e2f67c35" providerId="LiveId" clId="{590EFB51-09AE-4B3E-BE06-0D121D7478C4}" dt="2024-11-04T21:42:05.801" v="1918" actId="478"/>
-          <ac:spMkLst>
-            <pc:docMk/>
-            <pc:sldMk cId="347928106" sldId="262"/>
-            <ac:spMk id="3" creationId="{7C9D43A2-795F-2EBB-5845-E23C5D3F4F52}"/>
-          </ac:spMkLst>
-        </pc:spChg>
-        <pc:picChg chg="del">
-          <ac:chgData name="Korinne Angela White" userId="829ad592e2f67c35" providerId="LiveId" clId="{590EFB51-09AE-4B3E-BE06-0D121D7478C4}" dt="2024-11-04T21:25:43.783" v="605" actId="478"/>
-          <ac:picMkLst>
-            <pc:docMk/>
-            <pc:sldMk cId="347928106" sldId="262"/>
-            <ac:picMk id="5" creationId="{52B25FF0-1E46-3220-3360-8863C65FCC5A}"/>
-          </ac:picMkLst>
-        </pc:picChg>
       </pc:sldChg>
       <pc:sldChg chg="add del">
         <pc:chgData name="Korinne Angela White" userId="829ad592e2f67c35" providerId="LiveId" clId="{590EFB51-09AE-4B3E-BE06-0D121D7478C4}" dt="2024-11-04T21:25:34.602" v="591" actId="2890"/>
@@ -454,7 +384,7 @@
         </pc:spChg>
       </pc:sldChg>
       <pc:sldChg chg="addSp delSp modSp add mod ord setBg modNotesTx">
-        <pc:chgData name="Korinne Angela White" userId="829ad592e2f67c35" providerId="LiveId" clId="{590EFB51-09AE-4B3E-BE06-0D121D7478C4}" dt="2024-11-05T20:16:17.567" v="4783" actId="14100"/>
+        <pc:chgData name="Korinne Angela White" userId="829ad592e2f67c35" providerId="LiveId" clId="{590EFB51-09AE-4B3E-BE06-0D121D7478C4}" dt="2024-11-06T16:25:39.190" v="5548" actId="20577"/>
         <pc:sldMkLst>
           <pc:docMk/>
           <pc:sldMk cId="4052800136" sldId="264"/>
@@ -522,22 +452,6 @@
           <pc:docMk/>
           <pc:sldMk cId="1385327193" sldId="265"/>
         </pc:sldMkLst>
-        <pc:spChg chg="mod">
-          <ac:chgData name="Korinne Angela White" userId="829ad592e2f67c35" providerId="LiveId" clId="{590EFB51-09AE-4B3E-BE06-0D121D7478C4}" dt="2024-11-04T21:38:24.730" v="1831" actId="1076"/>
-          <ac:spMkLst>
-            <pc:docMk/>
-            <pc:sldMk cId="1385327193" sldId="265"/>
-            <ac:spMk id="2" creationId="{EA03FE07-D7F1-F290-1BFB-0E7F8051D2C1}"/>
-          </ac:spMkLst>
-        </pc:spChg>
-        <pc:spChg chg="del">
-          <ac:chgData name="Korinne Angela White" userId="829ad592e2f67c35" providerId="LiveId" clId="{590EFB51-09AE-4B3E-BE06-0D121D7478C4}" dt="2024-11-04T21:38:13.296" v="1818" actId="478"/>
-          <ac:spMkLst>
-            <pc:docMk/>
-            <pc:sldMk cId="1385327193" sldId="265"/>
-            <ac:spMk id="3" creationId="{78F961BF-F300-9CA4-A188-9E7430573810}"/>
-          </ac:spMkLst>
-        </pc:spChg>
       </pc:sldChg>
       <pc:sldChg chg="addSp modSp add mod ord modNotesTx">
         <pc:chgData name="Korinne Angela White" userId="829ad592e2f67c35" providerId="LiveId" clId="{590EFB51-09AE-4B3E-BE06-0D121D7478C4}" dt="2024-11-04T22:00:02.904" v="3466" actId="20577"/>
@@ -626,7 +540,7 @@
         </pc:picChg>
       </pc:sldChg>
       <pc:sldChg chg="addSp delSp modSp add mod modNotesTx">
-        <pc:chgData name="Korinne Angela White" userId="829ad592e2f67c35" providerId="LiveId" clId="{590EFB51-09AE-4B3E-BE06-0D121D7478C4}" dt="2024-11-05T19:33:46.697" v="3989" actId="20577"/>
+        <pc:chgData name="Korinne Angela White" userId="829ad592e2f67c35" providerId="LiveId" clId="{590EFB51-09AE-4B3E-BE06-0D121D7478C4}" dt="2024-11-06T16:15:44.705" v="5060" actId="20577"/>
         <pc:sldMkLst>
           <pc:docMk/>
           <pc:sldMk cId="45372991" sldId="268"/>
@@ -1659,10 +1573,10 @@
         <a:lstStyle/>
         <a:p>
           <a:r>
-            <a:rPr lang="en-CA" sz="2000" dirty="0"/>
+            <a:rPr lang="en-CA" sz="2000"/>
             <a:t>Deeper Customer Segmentation Analysis</a:t>
           </a:r>
-          <a:endParaRPr lang="en-US" sz="2000" dirty="0"/>
+          <a:endParaRPr lang="en-US" sz="2000"/>
         </a:p>
       </dgm:t>
     </dgm:pt>
@@ -1733,10 +1647,10 @@
         <a:lstStyle/>
         <a:p>
           <a:r>
-            <a:rPr lang="en-CA" sz="2000" dirty="0"/>
+            <a:rPr lang="en-CA" sz="2000"/>
             <a:t>Location-based Consumer Behavior Analysis</a:t>
           </a:r>
-          <a:endParaRPr lang="en-US" sz="2000" dirty="0"/>
+          <a:endParaRPr lang="en-US" sz="2000"/>
         </a:p>
       </dgm:t>
     </dgm:pt>
@@ -1770,10 +1684,10 @@
         <a:lstStyle/>
         <a:p>
           <a:r>
-            <a:rPr lang="en-CA" dirty="0"/>
+            <a:rPr lang="en-CA"/>
             <a:t>Develop location-specific strategies and adapt the user experience and marketing messages to fit better in that market</a:t>
           </a:r>
-          <a:endParaRPr lang="en-US" dirty="0"/>
+          <a:endParaRPr lang="en-US"/>
         </a:p>
       </dgm:t>
     </dgm:pt>
@@ -1807,10 +1721,10 @@
         <a:lstStyle/>
         <a:p>
           <a:r>
-            <a:rPr lang="en-CA" sz="2000" dirty="0"/>
+            <a:rPr lang="en-CA" sz="2000"/>
             <a:t>Analyzing Referral Sources and Influences</a:t>
           </a:r>
-          <a:endParaRPr lang="en-US" sz="2000" dirty="0"/>
+          <a:endParaRPr lang="en-US" sz="2000"/>
         </a:p>
       </dgm:t>
     </dgm:pt>
@@ -1881,10 +1795,10 @@
         <a:lstStyle/>
         <a:p>
           <a:r>
-            <a:rPr lang="en-CA" sz="2000" dirty="0"/>
+            <a:rPr lang="en-CA" sz="2000"/>
             <a:t>Conversion Rate Analysis</a:t>
           </a:r>
-          <a:endParaRPr lang="en-US" sz="2000" dirty="0"/>
+          <a:endParaRPr lang="en-US" sz="2000"/>
         </a:p>
       </dgm:t>
     </dgm:pt>
@@ -2394,10 +2308,10 @@
             <a:buNone/>
           </a:pPr>
           <a:r>
-            <a:rPr lang="en-CA" sz="2000" kern="1200" dirty="0"/>
+            <a:rPr lang="en-CA" sz="2000" kern="1200"/>
             <a:t>Deeper Customer Segmentation Analysis</a:t>
           </a:r>
-          <a:endParaRPr lang="en-US" sz="2000" kern="1200" dirty="0"/>
+          <a:endParaRPr lang="en-US" sz="2000" kern="1200"/>
         </a:p>
       </dsp:txBody>
       <dsp:txXfrm>
@@ -2607,10 +2521,10 @@
             <a:buNone/>
           </a:pPr>
           <a:r>
-            <a:rPr lang="en-CA" sz="2000" kern="1200" dirty="0"/>
+            <a:rPr lang="en-CA" sz="2000" kern="1200"/>
             <a:t>Location-based Consumer Behavior Analysis</a:t>
           </a:r>
-          <a:endParaRPr lang="en-US" sz="2000" kern="1200" dirty="0"/>
+          <a:endParaRPr lang="en-US" sz="2000" kern="1200"/>
         </a:p>
       </dsp:txBody>
       <dsp:txXfrm>
@@ -2668,10 +2582,10 @@
             <a:buNone/>
           </a:pPr>
           <a:r>
-            <a:rPr lang="en-CA" sz="1500" kern="1200" dirty="0"/>
+            <a:rPr lang="en-CA" sz="1500" kern="1200"/>
             <a:t>Develop location-specific strategies and adapt the user experience and marketing messages to fit better in that market</a:t>
           </a:r>
-          <a:endParaRPr lang="en-US" sz="1500" kern="1200" dirty="0"/>
+          <a:endParaRPr lang="en-US" sz="1500" kern="1200"/>
         </a:p>
       </dsp:txBody>
       <dsp:txXfrm>
@@ -2820,10 +2734,10 @@
             <a:buNone/>
           </a:pPr>
           <a:r>
-            <a:rPr lang="en-CA" sz="2000" kern="1200" dirty="0"/>
+            <a:rPr lang="en-CA" sz="2000" kern="1200"/>
             <a:t>Analyzing Referral Sources and Influences</a:t>
           </a:r>
-          <a:endParaRPr lang="en-US" sz="2000" kern="1200" dirty="0"/>
+          <a:endParaRPr lang="en-US" sz="2000" kern="1200"/>
         </a:p>
       </dsp:txBody>
       <dsp:txXfrm>
@@ -3033,10 +2947,10 @@
             <a:buNone/>
           </a:pPr>
           <a:r>
-            <a:rPr lang="en-CA" sz="2000" kern="1200" dirty="0"/>
+            <a:rPr lang="en-CA" sz="2000" kern="1200"/>
             <a:t>Conversion Rate Analysis</a:t>
           </a:r>
-          <a:endParaRPr lang="en-US" sz="2000" kern="1200" dirty="0"/>
+          <a:endParaRPr lang="en-US" sz="2000" kern="1200"/>
         </a:p>
       </dsp:txBody>
       <dsp:txXfrm>
@@ -4519,7 +4433,7 @@
           <a:p>
             <a:fld id="{3F6996BD-F54A-4D32-B213-4A4420087C30}" type="datetimeFigureOut">
               <a:rPr lang="en-CA" smtClean="0"/>
-              <a:t>2024-11-05</a:t>
+              <a:t>2024-11-06</a:t>
             </a:fld>
             <a:endParaRPr lang="en-CA"/>
           </a:p>
@@ -4831,7 +4745,10 @@
           <a:bodyPr/>
           <a:lstStyle/>
           <a:p>
-            <a:endParaRPr lang="en-CA" dirty="0"/>
+            <a:r>
+              <a:rPr lang="en-CA"/>
+              <a:t>Good Afternoon. My name is Angela and today I will be presenting my SQL project.</a:t>
+            </a:r>
           </a:p>
         </p:txBody>
       </p:sp>
@@ -4951,18 +4868,41 @@
               <a:defRPr/>
             </a:pPr>
             <a:r>
-              <a:rPr lang="en-CA" b="0" dirty="0">
+              <a:rPr lang="en-CA" b="0">
                 <a:solidFill>
                   <a:srgbClr val="D4D4D4"/>
                 </a:solidFill>
                 <a:effectLst/>
                 <a:latin typeface="Consolas" panose="020B0609020204030204" pitchFamily="49" charset="0"/>
               </a:rPr>
-              <a:t>If we had more details about the customers/visitors, we can find which products are popular among specific age groups and put site/product ads on platforms where users of this age group in specific locations are more prominent.</a:t>
+              <a:t>For customer segmentation and location-based analysis…</a:t>
             </a:r>
           </a:p>
           <a:p>
-            <a:endParaRPr lang="en-CA" dirty="0"/>
+            <a:pPr marL="0" marR="0" lvl="0" indent="0" algn="l" defTabSz="914400" rtl="0" eaLnBrk="1" fontAlgn="auto" latinLnBrk="0" hangingPunct="1">
+              <a:lnSpc>
+                <a:spcPct val="100000"/>
+              </a:lnSpc>
+              <a:spcBef>
+                <a:spcPts val="0"/>
+              </a:spcBef>
+              <a:spcAft>
+                <a:spcPts val="0"/>
+              </a:spcAft>
+              <a:buClrTx/>
+              <a:buSzTx/>
+              <a:buFontTx/>
+              <a:buNone/>
+              <a:tabLst/>
+              <a:defRPr/>
+            </a:pPr>
+            <a:endParaRPr lang="en-CA" b="0">
+              <a:solidFill>
+                <a:srgbClr val="D4D4D4"/>
+              </a:solidFill>
+              <a:effectLst/>
+              <a:latin typeface="Consolas" panose="020B0609020204030204" pitchFamily="49" charset="0"/>
+            </a:endParaRPr>
           </a:p>
           <a:p>
             <a:pPr marL="0" marR="0" lvl="0" indent="0" algn="l" defTabSz="914400" rtl="0" eaLnBrk="1" fontAlgn="auto" latinLnBrk="0" hangingPunct="1">
@@ -4983,14 +4923,14 @@
               <a:defRPr/>
             </a:pPr>
             <a:r>
-              <a:rPr lang="en-CA" b="0" dirty="0">
+              <a:rPr lang="en-CA" b="0">
                 <a:solidFill>
                   <a:srgbClr val="D4D4D4"/>
                 </a:solidFill>
                 <a:effectLst/>
                 <a:latin typeface="Consolas" panose="020B0609020204030204" pitchFamily="49" charset="0"/>
               </a:rPr>
-              <a:t>Here’s where we can start offering similar local products/brands in that region to expand market reach.</a:t>
+              <a:t>If we had more details about the site visitors, we could do a deep dive on which products are popular among specific age groups in each location, and pinpoint where else we could find more of these users and how to reach them.</a:t>
             </a:r>
           </a:p>
           <a:p>
@@ -5011,7 +4951,7 @@
               <a:tabLst/>
               <a:defRPr/>
             </a:pPr>
-            <a:endParaRPr lang="en-CA" b="0" dirty="0">
+            <a:endParaRPr lang="en-CA" b="0">
               <a:solidFill>
                 <a:srgbClr val="D4D4D4"/>
               </a:solidFill>
@@ -5038,14 +4978,14 @@
               <a:defRPr/>
             </a:pPr>
             <a:r>
-              <a:rPr lang="en-CA" b="0" dirty="0">
+              <a:rPr lang="en-CA" b="0">
                 <a:solidFill>
                   <a:srgbClr val="D4D4D4"/>
                 </a:solidFill>
                 <a:effectLst/>
                 <a:latin typeface="Consolas" panose="020B0609020204030204" pitchFamily="49" charset="0"/>
               </a:rPr>
-              <a:t>Some marketing channels could be costing us more than it's worth to maintain, like they’re not giving us enough site traffic to justify paying the customer acquisition costs.</a:t>
+              <a:t>For analyzing referral sources and influences…</a:t>
             </a:r>
           </a:p>
           <a:p>
@@ -5066,7 +5006,7 @@
               <a:tabLst/>
               <a:defRPr/>
             </a:pPr>
-            <a:endParaRPr lang="en-CA" b="0" dirty="0">
+            <a:endParaRPr lang="en-CA" b="0">
               <a:solidFill>
                 <a:srgbClr val="D4D4D4"/>
               </a:solidFill>
@@ -5093,19 +5033,15 @@
               <a:defRPr/>
             </a:pPr>
             <a:r>
-              <a:rPr lang="en-CA" b="0" dirty="0">
+              <a:rPr lang="en-CA" b="0">
                 <a:solidFill>
                   <a:srgbClr val="D4D4D4"/>
                 </a:solidFill>
                 <a:effectLst/>
                 <a:latin typeface="Consolas" panose="020B0609020204030204" pitchFamily="49" charset="0"/>
               </a:rPr>
-              <a:t>If we had more time data, we could do a Conversion Rate Analysis. This will tell us how long of a time window we have to encourage the customer to stay on the site and make a purchase.</a:t>
+              <a:t>Some marketing channels could be costing us more than it's worth to maintain, like they’re not giving us enough site traffic or revenue to justify paying the customer acquisition or retention costs from these channels.</a:t>
             </a:r>
-            <a:endParaRPr lang="en-CA" dirty="0"/>
-          </a:p>
-          <a:p>
-            <a:endParaRPr lang="en-CA" dirty="0"/>
           </a:p>
         </p:txBody>
       </p:sp>
@@ -5196,7 +5132,7 @@
           <a:lstStyle/>
           <a:p>
             <a:r>
-              <a:rPr lang="en-CA" dirty="0"/>
+              <a:rPr lang="en-CA"/>
               <a:t>That’s it. Do you have any questions for me or feedback?</a:t>
             </a:r>
           </a:p>
@@ -5300,14 +5236,14 @@
               <a:defRPr/>
             </a:pPr>
             <a:r>
-              <a:rPr lang="en-CA" b="0" dirty="0">
+              <a:rPr lang="en-CA" b="0">
                 <a:solidFill>
                   <a:srgbClr val="D4D4D4"/>
                 </a:solidFill>
                 <a:effectLst/>
                 <a:latin typeface="Consolas" panose="020B0609020204030204" pitchFamily="49" charset="0"/>
               </a:rPr>
-              <a:t>A significant part of the project was dedicated to understanding and addressing data quality issues, and ensuring that the UDFs I was using and the materialized views were accurate before I started on the questions. This, for me, reduced the need for extensive QA processes on the questions I was trying to answer.</a:t>
+              <a:t>A significant part of the project was dedicated to understanding and addressing data quality issues, and ensuring that the User Defined Functions I was using and the materialized views were accurate before I started on the questions. This, for me, reduced the need for extensive QA processes on the questions I was trying to answer.</a:t>
             </a:r>
           </a:p>
         </p:txBody>
@@ -5393,7 +5329,7 @@
           <a:lstStyle/>
           <a:p>
             <a:r>
-              <a:rPr lang="en-CA" dirty="0"/>
+              <a:rPr lang="en-CA"/>
               <a:t>I created a few UDFs to get an overview of each column in a table.</a:t>
             </a:r>
           </a:p>
@@ -5416,11 +5352,11 @@
               <a:defRPr/>
             </a:pPr>
             <a:r>
-              <a:rPr lang="en-CA" dirty="0"/>
+              <a:rPr lang="en-CA"/>
               <a:t>One </a:t>
             </a:r>
             <a:r>
-              <a:rPr lang="en-CA" b="0" i="0" dirty="0">
+              <a:rPr lang="en-CA" b="0" i="0">
                 <a:solidFill>
                   <a:srgbClr val="D4D4D4"/>
                 </a:solidFill>
@@ -5449,7 +5385,7 @@
               <a:defRPr/>
             </a:pPr>
             <a:r>
-              <a:rPr lang="en-CA" b="0" i="0" dirty="0">
+              <a:rPr lang="en-CA" b="0" i="0">
                 <a:solidFill>
                   <a:srgbClr val="D4D4D4"/>
                 </a:solidFill>
@@ -5477,28 +5413,28 @@
               <a:tabLst/>
               <a:defRPr/>
             </a:pPr>
-            <a:endParaRPr lang="en-CA" dirty="0"/>
+            <a:endParaRPr lang="en-CA"/>
           </a:p>
           <a:p>
             <a:r>
-              <a:rPr lang="en-CA" dirty="0"/>
+              <a:rPr lang="en-CA"/>
               <a:t>I also created </a:t>
             </a:r>
             <a:r>
-              <a:rPr lang="en-CA" dirty="0" err="1"/>
+              <a:rPr lang="en-CA" err="1"/>
               <a:t>dividebymil</a:t>
             </a:r>
             <a:r>
-              <a:rPr lang="en-CA" dirty="0"/>
+              <a:rPr lang="en-CA"/>
               <a:t> function for price-related columns, it returns the value after it’s been divided by 1M and rounds it to 2 decimal places.</a:t>
             </a:r>
           </a:p>
           <a:p>
-            <a:endParaRPr lang="en-CA" dirty="0"/>
+            <a:endParaRPr lang="en-CA"/>
           </a:p>
           <a:p>
             <a:r>
-              <a:rPr lang="en-CA" dirty="0"/>
+              <a:rPr lang="en-CA"/>
               <a:t>I updated the necessary tables to show a more standardized time.</a:t>
             </a:r>
           </a:p>
@@ -5602,14 +5538,14 @@
               <a:defRPr/>
             </a:pPr>
             <a:r>
-              <a:rPr lang="en-CA" b="0" i="0" dirty="0">
+              <a:rPr lang="en-CA" b="0" i="0">
                 <a:solidFill>
                   <a:srgbClr val="D4D4D4"/>
                 </a:solidFill>
                 <a:effectLst/>
                 <a:latin typeface="-apple-system"/>
               </a:rPr>
-              <a:t>The data tells us which locations generate the most transactions on our site to prioritize marketing efforts and resource allocation effectively in these key locations.</a:t>
+              <a:t>Going over the results,</a:t>
             </a:r>
           </a:p>
           <a:p>
@@ -5630,7 +5566,7 @@
               <a:tabLst/>
               <a:defRPr/>
             </a:pPr>
-            <a:endParaRPr lang="en-CA" b="0" i="0" dirty="0">
+            <a:endParaRPr lang="en-CA" b="0" i="0">
               <a:solidFill>
                 <a:srgbClr val="D4D4D4"/>
               </a:solidFill>
@@ -5657,14 +5593,69 @@
               <a:defRPr/>
             </a:pPr>
             <a:r>
-              <a:rPr lang="en-CA" b="0" dirty="0">
+              <a:rPr lang="en-CA" b="0" i="0">
+                <a:solidFill>
+                  <a:srgbClr val="D4D4D4"/>
+                </a:solidFill>
+                <a:effectLst/>
+                <a:latin typeface="-apple-system"/>
+              </a:rPr>
+              <a:t>The data tells us which locations generate the most transactions on our site to prioritize marketing efforts and resource allocation effectively in these key locations.</a:t>
+            </a:r>
+          </a:p>
+          <a:p>
+            <a:pPr marL="0" marR="0" lvl="0" indent="0" algn="l" defTabSz="914400" rtl="0" eaLnBrk="1" fontAlgn="auto" latinLnBrk="0" hangingPunct="1">
+              <a:lnSpc>
+                <a:spcPct val="100000"/>
+              </a:lnSpc>
+              <a:spcBef>
+                <a:spcPts val="0"/>
+              </a:spcBef>
+              <a:spcAft>
+                <a:spcPts val="0"/>
+              </a:spcAft>
+              <a:buClrTx/>
+              <a:buSzTx/>
+              <a:buFontTx/>
+              <a:buNone/>
+              <a:tabLst/>
+              <a:defRPr/>
+            </a:pPr>
+            <a:endParaRPr lang="en-CA" b="0" i="0">
+              <a:solidFill>
+                <a:srgbClr val="D4D4D4"/>
+              </a:solidFill>
+              <a:effectLst/>
+              <a:latin typeface="-apple-system"/>
+            </a:endParaRPr>
+          </a:p>
+          <a:p>
+            <a:pPr marL="0" marR="0" lvl="0" indent="0" algn="l" defTabSz="914400" rtl="0" eaLnBrk="1" fontAlgn="auto" latinLnBrk="0" hangingPunct="1">
+              <a:lnSpc>
+                <a:spcPct val="100000"/>
+              </a:lnSpc>
+              <a:spcBef>
+                <a:spcPts val="0"/>
+              </a:spcBef>
+              <a:spcAft>
+                <a:spcPts val="0"/>
+              </a:spcAft>
+              <a:buClrTx/>
+              <a:buSzTx/>
+              <a:buFontTx/>
+              <a:buNone/>
+              <a:tabLst/>
+              <a:defRPr/>
+            </a:pPr>
+            <a:r>
+              <a:rPr lang="en-CA" b="0">
                 <a:solidFill>
                   <a:srgbClr val="D4D4D4"/>
                 </a:solidFill>
                 <a:effectLst/>
                 <a:latin typeface="Consolas" panose="020B0609020204030204" pitchFamily="49" charset="0"/>
               </a:rPr>
-              <a:t>Majority of transactions and revenue are coming from cities in United States and United Kingdom.</a:t>
+              <a:t>We can see here that on average, majority of the orders are coming from United States.</a:t>
             </a:r>
           </a:p>
         </p:txBody>
@@ -5750,8 +5741,16 @@
           <a:lstStyle/>
           <a:p>
             <a:r>
-              <a:rPr lang="en-CA" dirty="0"/>
-              <a:t>With majority of the products coming from the following categories.</a:t>
+              <a:rPr lang="en-CA"/>
+              <a:t>With majority of the products coming from </a:t>
+            </a:r>
+            <a:r>
+              <a:rPr lang="en-CA" err="1"/>
+              <a:t>Youtube</a:t>
+            </a:r>
+            <a:r>
+              <a:rPr lang="en-CA"/>
+              <a:t> or Google and Men’s apparel.</a:t>
             </a:r>
           </a:p>
         </p:txBody>
@@ -5837,7 +5836,7 @@
           <a:lstStyle/>
           <a:p>
             <a:r>
-              <a:rPr lang="en-CA" b="0" i="0" dirty="0">
+              <a:rPr lang="en-CA" b="0" i="0">
                 <a:solidFill>
                   <a:srgbClr val="D4D4D4"/>
                 </a:solidFill>
@@ -5846,7 +5845,7 @@
               </a:rPr>
               <a:t>It’s especially important in the US, because majority of site traffic and revenues are coming from there. We need 100% up time during high-traffic periods.</a:t>
             </a:r>
-            <a:endParaRPr lang="en-CA" dirty="0"/>
+            <a:endParaRPr lang="en-CA"/>
           </a:p>
         </p:txBody>
       </p:sp>
@@ -5948,7 +5947,7 @@
               <a:defRPr/>
             </a:pPr>
             <a:r>
-              <a:rPr lang="en-CA" b="0" dirty="0">
+              <a:rPr lang="en-CA" b="0">
                 <a:solidFill>
                   <a:srgbClr val="D4D4D4"/>
                 </a:solidFill>
@@ -5959,11 +5958,11 @@
             </a:r>
           </a:p>
           <a:p>
-            <a:endParaRPr lang="en-CA" dirty="0"/>
+            <a:endParaRPr lang="en-CA"/>
           </a:p>
           <a:p>
             <a:r>
-              <a:rPr lang="en-CA" dirty="0"/>
+              <a:rPr lang="en-CA"/>
               <a:t>So from this, we have 15 locations with 100% customer loyalty or repeat visits, but we’ve also identified 85 locations with a visit record but 0 repeats.</a:t>
             </a:r>
           </a:p>
@@ -6085,11 +6084,11 @@
               <a:defRPr/>
             </a:pPr>
             <a:r>
-              <a:rPr lang="en-CA" dirty="0"/>
+              <a:rPr lang="en-CA"/>
               <a:t>Overall, t</a:t>
             </a:r>
             <a:r>
-              <a:rPr lang="en-CA" b="0" dirty="0">
+              <a:rPr lang="en-CA" b="0">
                 <a:solidFill>
                   <a:srgbClr val="D4D4D4"/>
                 </a:solidFill>
@@ -6206,33 +6205,33 @@
           <a:lstStyle/>
           <a:p>
             <a:r>
-              <a:rPr lang="en-CA" dirty="0"/>
+              <a:rPr lang="en-CA"/>
               <a:t>I disabled the authentication requirements temporarily, added a new password and put the authentication requirements back.</a:t>
             </a:r>
           </a:p>
           <a:p>
-            <a:endParaRPr lang="en-CA" dirty="0"/>
+            <a:endParaRPr lang="en-CA"/>
           </a:p>
           <a:p>
             <a:r>
-              <a:rPr lang="en-CA" dirty="0"/>
+              <a:rPr lang="en-CA"/>
               <a:t>Calling the </a:t>
             </a:r>
             <a:r>
-              <a:rPr lang="en-CA" dirty="0" err="1"/>
+              <a:rPr lang="en-CA" err="1"/>
               <a:t>overview_of_each_column</a:t>
             </a:r>
             <a:r>
-              <a:rPr lang="en-CA" dirty="0"/>
+              <a:rPr lang="en-CA"/>
               <a:t> function on analytics table takes about a minute. It has 4.3M rows to go through, and it’s my most used table in this project. So I created a materialized view of it.</a:t>
             </a:r>
           </a:p>
           <a:p>
-            <a:endParaRPr lang="en-CA" dirty="0"/>
+            <a:endParaRPr lang="en-CA"/>
           </a:p>
           <a:p>
             <a:r>
-              <a:rPr lang="en-CA" dirty="0"/>
+              <a:rPr lang="en-CA"/>
               <a:t>There were lots of missing data and duplicates, but I dealt with it before I delved into the questions, so I was pretty confident with the insights that I was able to get.</a:t>
             </a:r>
           </a:p>
@@ -6331,7 +6330,6 @@
               <a:rPr lang="en-US"/>
               <a:t>Click to edit Master title style</a:t>
             </a:r>
-            <a:endParaRPr lang="en-US" dirty="0"/>
           </a:p>
         </p:txBody>
       </p:sp>
@@ -6402,7 +6400,6 @@
               <a:rPr lang="en-US"/>
               <a:t>Click to edit Master subtitle style</a:t>
             </a:r>
-            <a:endParaRPr lang="en-US" dirty="0"/>
           </a:p>
         </p:txBody>
       </p:sp>
@@ -6429,9 +6426,9 @@
           <a:p>
             <a:fld id="{C43A76A3-ADC8-4477-8FC1-B9DD55D84908}" type="datetime1">
               <a:rPr lang="en-US" smtClean="0"/>
-              <a:t>11/5/2024</a:t>
+              <a:t>11/6/2024</a:t>
             </a:fld>
-            <a:endParaRPr lang="en-US" dirty="0"/>
+            <a:endParaRPr lang="en-US"/>
           </a:p>
         </p:txBody>
       </p:sp>
@@ -6485,7 +6482,7 @@
               <a:rPr lang="en-US" smtClean="0"/>
               <a:t>‹#›</a:t>
             </a:fld>
-            <a:endParaRPr lang="en-US" dirty="0"/>
+            <a:endParaRPr lang="en-US"/>
           </a:p>
         </p:txBody>
       </p:sp>
@@ -6627,7 +6624,7 @@
           <a:p>
             <a:fld id="{D6762538-DC4D-4667-96E5-B3278DDF8B12}" type="datetime1">
               <a:rPr lang="en-US" smtClean="0"/>
-              <a:t>11/5/2024</a:t>
+              <a:t>11/6/2024</a:t>
             </a:fld>
             <a:endParaRPr lang="en-US"/>
           </a:p>
@@ -6835,7 +6832,7 @@
           <a:p>
             <a:fld id="{05880548-5C08-4BE3-B63E-F2BB63B0B00C}" type="datetime1">
               <a:rPr lang="en-US" smtClean="0"/>
-              <a:t>11/5/2024</a:t>
+              <a:t>11/6/2024</a:t>
             </a:fld>
             <a:endParaRPr lang="en-US"/>
           </a:p>
@@ -7033,7 +7030,7 @@
           <a:p>
             <a:fld id="{DE7F49BE-398D-479A-8A7E-5DDBCA61EDCB}" type="datetime1">
               <a:rPr lang="en-US" smtClean="0"/>
-              <a:t>11/5/2024</a:t>
+              <a:t>11/6/2024</a:t>
             </a:fld>
             <a:endParaRPr lang="en-US"/>
           </a:p>
@@ -7159,7 +7156,6 @@
               <a:rPr lang="en-US"/>
               <a:t>Click to edit Master title style</a:t>
             </a:r>
-            <a:endParaRPr lang="en-US" dirty="0"/>
           </a:p>
         </p:txBody>
       </p:sp>
@@ -7309,7 +7305,7 @@
           <a:p>
             <a:fld id="{CCD0C193-4974-4A1F-9C63-07D595E30D66}" type="datetime1">
               <a:rPr lang="en-US" smtClean="0"/>
-              <a:t>11/5/2024</a:t>
+              <a:t>11/6/2024</a:t>
             </a:fld>
             <a:endParaRPr lang="en-US"/>
           </a:p>
@@ -7424,7 +7420,6 @@
               <a:rPr lang="en-US"/>
               <a:t>Click to edit Master title style</a:t>
             </a:r>
-            <a:endParaRPr lang="en-US" dirty="0"/>
           </a:p>
         </p:txBody>
       </p:sp>
@@ -7487,7 +7482,6 @@
               <a:rPr lang="en-US"/>
               <a:t>Fifth level</a:t>
             </a:r>
-            <a:endParaRPr lang="en-US" dirty="0"/>
           </a:p>
         </p:txBody>
       </p:sp>
@@ -7576,7 +7570,7 @@
           <a:p>
             <a:fld id="{701AA87F-28D4-4BF0-B81F-877A89DFD5AC}" type="datetime1">
               <a:rPr lang="en-US" smtClean="0"/>
-              <a:t>11/5/2024</a:t>
+              <a:t>11/6/2024</a:t>
             </a:fld>
             <a:endParaRPr lang="en-US"/>
           </a:p>
@@ -7696,7 +7690,6 @@
               <a:rPr lang="en-US"/>
               <a:t>Click to edit Master title style</a:t>
             </a:r>
-            <a:endParaRPr lang="en-US" dirty="0"/>
           </a:p>
         </p:txBody>
       </p:sp>
@@ -7830,7 +7823,6 @@
               <a:rPr lang="en-US"/>
               <a:t>Fifth level</a:t>
             </a:r>
-            <a:endParaRPr lang="en-US" dirty="0"/>
           </a:p>
         </p:txBody>
       </p:sp>
@@ -7990,7 +7982,7 @@
           <a:p>
             <a:fld id="{A8A9F1F3-208B-49A3-B337-9C8ACEB3E0E1}" type="datetime1">
               <a:rPr lang="en-US" smtClean="0"/>
-              <a:t>11/5/2024</a:t>
+              <a:t>11/6/2024</a:t>
             </a:fld>
             <a:endParaRPr lang="en-US"/>
           </a:p>
@@ -8110,7 +8102,6 @@
               <a:rPr lang="en-US"/>
               <a:t>Click to edit Master title style</a:t>
             </a:r>
-            <a:endParaRPr lang="en-US" dirty="0"/>
           </a:p>
         </p:txBody>
       </p:sp>
@@ -8137,7 +8128,7 @@
           <a:p>
             <a:fld id="{27AF6CA6-7293-4AA2-A0E0-A3BF4416E786}" type="datetime1">
               <a:rPr lang="en-US" smtClean="0"/>
-              <a:t>11/5/2024</a:t>
+              <a:t>11/6/2024</a:t>
             </a:fld>
             <a:endParaRPr lang="en-US"/>
           </a:p>
@@ -8250,7 +8241,7 @@
           <a:p>
             <a:fld id="{98D87016-7BCD-46FB-8EE3-AB6C369108B4}" type="datetime1">
               <a:rPr lang="en-US" smtClean="0"/>
-              <a:t>11/5/2024</a:t>
+              <a:t>11/6/2024</a:t>
             </a:fld>
             <a:endParaRPr lang="en-US"/>
           </a:p>
@@ -8376,7 +8367,6 @@
               <a:rPr lang="en-US"/>
               <a:t>Click to edit Master title style</a:t>
             </a:r>
-            <a:endParaRPr lang="en-US" dirty="0"/>
           </a:p>
         </p:txBody>
       </p:sp>
@@ -8469,7 +8459,6 @@
               <a:rPr lang="en-US"/>
               <a:t>Fifth level</a:t>
             </a:r>
-            <a:endParaRPr lang="en-US" dirty="0"/>
           </a:p>
         </p:txBody>
       </p:sp>
@@ -8569,7 +8558,7 @@
           <a:p>
             <a:fld id="{A1547011-1FFC-4EF8-9A2E-53B4AD2ADBD4}" type="datetime1">
               <a:rPr lang="en-US" smtClean="0"/>
-              <a:t>11/5/2024</a:t>
+              <a:t>11/6/2024</a:t>
             </a:fld>
             <a:endParaRPr lang="en-US"/>
           </a:p>
@@ -8693,7 +8682,6 @@
               <a:rPr lang="en-US"/>
               <a:t>Click to edit Master title style</a:t>
             </a:r>
-            <a:endParaRPr lang="en-US" dirty="0"/>
           </a:p>
         </p:txBody>
       </p:sp>
@@ -8764,7 +8752,6 @@
               <a:rPr lang="en-US"/>
               <a:t>Click icon to add picture</a:t>
             </a:r>
-            <a:endParaRPr lang="en-US" dirty="0"/>
           </a:p>
         </p:txBody>
       </p:sp>
@@ -8864,7 +8851,7 @@
           <a:p>
             <a:fld id="{9562EB47-45B4-4EF5-A743-B4885DD2F060}" type="datetime1">
               <a:rPr lang="en-US" smtClean="0"/>
-              <a:t>11/5/2024</a:t>
+              <a:t>11/6/2024</a:t>
             </a:fld>
             <a:endParaRPr lang="en-US"/>
           </a:p>
@@ -9004,7 +8991,7 @@
           <a:lstStyle/>
           <a:p>
             <a:pPr algn="ctr"/>
-            <a:endParaRPr lang="en-US" dirty="0"/>
+            <a:endParaRPr lang="en-US"/>
           </a:p>
         </p:txBody>
       </p:sp>
@@ -9056,7 +9043,7 @@
           <a:lstStyle/>
           <a:p>
             <a:pPr algn="ctr"/>
-            <a:endParaRPr lang="en-US" sz="900" dirty="0">
+            <a:endParaRPr lang="en-US" sz="900">
               <a:solidFill>
                 <a:schemeClr val="bg1"/>
               </a:solidFill>
@@ -9357,7 +9344,7 @@
             <a:lstStyle/>
             <a:p>
               <a:pPr algn="ctr"/>
-              <a:endParaRPr lang="en-US" dirty="0"/>
+              <a:endParaRPr lang="en-US"/>
             </a:p>
           </p:txBody>
         </p:sp>
@@ -9570,7 +9557,7 @@
             <a:lstStyle/>
             <a:p>
               <a:pPr algn="ctr"/>
-              <a:endParaRPr lang="en-US" dirty="0"/>
+              <a:endParaRPr lang="en-US"/>
             </a:p>
           </p:txBody>
         </p:sp>
@@ -9771,7 +9758,7 @@
             <a:lstStyle/>
             <a:p>
               <a:pPr algn="ctr"/>
-              <a:endParaRPr lang="en-US" sz="900" dirty="0">
+              <a:endParaRPr lang="en-US" sz="900">
                 <a:solidFill>
                   <a:schemeClr val="bg1"/>
                 </a:solidFill>
@@ -9906,7 +9893,7 @@
             <a:lstStyle/>
             <a:p>
               <a:pPr algn="ctr"/>
-              <a:endParaRPr lang="en-US" sz="900" dirty="0">
+              <a:endParaRPr lang="en-US" sz="900">
                 <a:solidFill>
                   <a:schemeClr val="bg1"/>
                 </a:solidFill>
@@ -10023,7 +10010,7 @@
             <a:lstStyle/>
             <a:p>
               <a:pPr algn="ctr"/>
-              <a:endParaRPr lang="en-US" sz="900" dirty="0">
+              <a:endParaRPr lang="en-US" sz="900">
                 <a:solidFill>
                   <a:schemeClr val="bg1"/>
                 </a:solidFill>
@@ -10198,7 +10185,7 @@
             <a:lstStyle/>
             <a:p>
               <a:pPr algn="ctr"/>
-              <a:endParaRPr lang="en-US" sz="900" dirty="0">
+              <a:endParaRPr lang="en-US" sz="900">
                 <a:solidFill>
                   <a:schemeClr val="bg1"/>
                 </a:solidFill>
@@ -10249,9 +10236,9 @@
           <a:p>
             <a:fld id="{4A8D24A4-5FEC-4062-8995-EB21925B3B40}" type="datetime1">
               <a:rPr lang="en-US" smtClean="0"/>
-              <a:t>11/5/2024</a:t>
+              <a:t>11/6/2024</a:t>
             </a:fld>
-            <a:endParaRPr lang="en-US" sz="1000" dirty="0"/>
+            <a:endParaRPr lang="en-US" sz="1000"/>
           </a:p>
         </p:txBody>
       </p:sp>
@@ -10342,7 +10329,7 @@
               <a:pPr/>
               <a:t>‹#›</a:t>
             </a:fld>
-            <a:endParaRPr lang="en-US" sz="1000" dirty="0"/>
+            <a:endParaRPr lang="en-US" sz="1000"/>
           </a:p>
         </p:txBody>
       </p:sp>
@@ -10381,7 +10368,6 @@
               <a:rPr lang="en-US"/>
               <a:t>Click to edit Master title style</a:t>
             </a:r>
-            <a:endParaRPr lang="en-US" dirty="0"/>
           </a:p>
         </p:txBody>
       </p:sp>
@@ -10418,35 +10404,35 @@
           <a:p>
             <a:pPr lvl="0"/>
             <a:r>
-              <a:rPr lang="en-US" dirty="0"/>
+              <a:rPr lang="en-US"/>
               <a:t>Click to edit Master text styles</a:t>
             </a:r>
           </a:p>
           <a:p>
             <a:pPr lvl="1"/>
             <a:r>
-              <a:rPr lang="en-US" dirty="0"/>
+              <a:rPr lang="en-US"/>
               <a:t>Second level</a:t>
             </a:r>
           </a:p>
           <a:p>
             <a:pPr lvl="2"/>
             <a:r>
-              <a:rPr lang="en-US" dirty="0"/>
+              <a:rPr lang="en-US"/>
               <a:t>Third level</a:t>
             </a:r>
           </a:p>
           <a:p>
             <a:pPr lvl="3"/>
             <a:r>
-              <a:rPr lang="en-US" dirty="0"/>
+              <a:rPr lang="en-US"/>
               <a:t>Fourth level</a:t>
             </a:r>
           </a:p>
           <a:p>
             <a:pPr lvl="4"/>
             <a:r>
-              <a:rPr lang="en-US" dirty="0"/>
+              <a:rPr lang="en-US"/>
               <a:t>Fifth level</a:t>
             </a:r>
           </a:p>
@@ -10868,7 +10854,7 @@
           <a:lstStyle/>
           <a:p>
             <a:pPr algn="ctr"/>
-            <a:endParaRPr lang="en-US" dirty="0"/>
+            <a:endParaRPr lang="en-US"/>
           </a:p>
         </p:txBody>
       </p:sp>
@@ -10934,7 +10920,7 @@
           <a:lstStyle/>
           <a:p>
             <a:pPr algn="ctr"/>
-            <a:endParaRPr lang="en-US" sz="900" dirty="0">
+            <a:endParaRPr lang="en-US" sz="900">
               <a:solidFill>
                 <a:schemeClr val="bg1"/>
               </a:solidFill>
@@ -10973,12 +10959,12 @@
           <a:p>
             <a:pPr algn="l"/>
             <a:r>
-              <a:rPr lang="en-CA" sz="2800" dirty="0">
+              <a:rPr lang="en-CA" sz="2800">
                 <a:latin typeface="Crimson Text" pitchFamily="2" charset="0"/>
               </a:rPr>
               <a:t>Korinne Angela White</a:t>
             </a:r>
-            <a:endParaRPr lang="en-CA" sz="2800" b="1" i="0" dirty="0">
+            <a:endParaRPr lang="en-CA" sz="2800" b="1" i="0">
               <a:effectLst/>
               <a:latin typeface="Crimson Text" pitchFamily="2" charset="0"/>
             </a:endParaRPr>
@@ -11606,12 +11592,12 @@
           <a:p>
             <a:pPr algn="l"/>
             <a:br>
-              <a:rPr lang="en-CA" sz="4400" dirty="0">
+              <a:rPr lang="en-CA" sz="4400">
                 <a:latin typeface="Josefin Sans" pitchFamily="2" charset="0"/>
               </a:rPr>
             </a:br>
             <a:r>
-              <a:rPr lang="en-CA" sz="4400" dirty="0">
+              <a:rPr lang="en-CA" sz="4400">
                 <a:latin typeface="Josefin Sans" pitchFamily="2" charset="0"/>
               </a:rPr>
               <a:t>Transforming &amp; Analyzing Data with SQL</a:t>
@@ -11843,7 +11829,7 @@
           <a:p>
             <a:pPr algn="l"/>
             <a:r>
-              <a:rPr lang="en-CA" b="1" dirty="0">
+              <a:rPr lang="en-CA" b="1">
                 <a:solidFill>
                   <a:schemeClr val="accent3"/>
                 </a:solidFill>
@@ -11853,7 +11839,7 @@
               <a:t>View this repo on </a:t>
             </a:r>
             <a:r>
-              <a:rPr lang="en-CA" b="1" dirty="0" err="1">
+              <a:rPr lang="en-CA" b="1" err="1">
                 <a:solidFill>
                   <a:schemeClr val="accent3"/>
                 </a:solidFill>
@@ -11862,7 +11848,7 @@
               </a:rPr>
               <a:t>github</a:t>
             </a:r>
-            <a:endParaRPr lang="en-CA" b="1" dirty="0">
+            <a:endParaRPr lang="en-CA" b="1">
               <a:solidFill>
                 <a:schemeClr val="accent3"/>
               </a:solidFill>
@@ -11971,7 +11957,7 @@
           <a:lstStyle/>
           <a:p>
             <a:pPr algn="ctr"/>
-            <a:endParaRPr lang="en-US" dirty="0"/>
+            <a:endParaRPr lang="en-US"/>
           </a:p>
         </p:txBody>
       </p:sp>
@@ -12037,7 +12023,7 @@
           <a:lstStyle/>
           <a:p>
             <a:pPr algn="ctr"/>
-            <a:endParaRPr lang="en-US" sz="900" dirty="0">
+            <a:endParaRPr lang="en-US" sz="900">
               <a:solidFill>
                 <a:schemeClr val="bg1"/>
               </a:solidFill>
@@ -12178,7 +12164,7 @@
           <a:lstStyle/>
           <a:p>
             <a:pPr algn="ctr"/>
-            <a:endParaRPr lang="en-US" sz="900" dirty="0">
+            <a:endParaRPr lang="en-US" sz="900">
               <a:solidFill>
                 <a:schemeClr val="bg1"/>
               </a:solidFill>
@@ -12279,7 +12265,7 @@
             <a:lstStyle/>
             <a:p>
               <a:pPr algn="ctr"/>
-              <a:endParaRPr lang="en-US" dirty="0"/>
+              <a:endParaRPr lang="en-US"/>
             </a:p>
           </p:txBody>
         </p:sp>
@@ -12528,7 +12514,7 @@
             <a:lstStyle/>
             <a:p>
               <a:pPr algn="ctr"/>
-              <a:endParaRPr lang="en-US" dirty="0"/>
+              <a:endParaRPr lang="en-US"/>
             </a:p>
           </p:txBody>
         </p:sp>
@@ -12623,7 +12609,7 @@
           <a:lstStyle/>
           <a:p>
             <a:r>
-              <a:rPr lang="en-CA" sz="4400" dirty="0"/>
+              <a:rPr lang="en-CA" sz="4400"/>
               <a:t>Future Goals</a:t>
             </a:r>
           </a:p>
@@ -12760,7 +12746,7 @@
           <a:lstStyle/>
           <a:p>
             <a:pPr algn="ctr"/>
-            <a:endParaRPr lang="en-US" dirty="0"/>
+            <a:endParaRPr lang="en-US"/>
           </a:p>
         </p:txBody>
       </p:sp>
@@ -12826,7 +12812,7 @@
           <a:lstStyle/>
           <a:p>
             <a:pPr algn="ctr"/>
-            <a:endParaRPr lang="en-US" sz="900" dirty="0">
+            <a:endParaRPr lang="en-US" sz="900">
               <a:solidFill>
                 <a:schemeClr val="bg1"/>
               </a:solidFill>
@@ -12865,12 +12851,12 @@
           <a:p>
             <a:pPr algn="l"/>
             <a:r>
-              <a:rPr lang="en-CA" sz="3600" dirty="0">
+              <a:rPr lang="en-CA" sz="3600">
                 <a:latin typeface="Crimson Text" pitchFamily="2" charset="0"/>
               </a:rPr>
               <a:t>Korinne Angela White</a:t>
             </a:r>
-            <a:endParaRPr lang="en-CA" sz="3600" b="1" i="0" dirty="0">
+            <a:endParaRPr lang="en-CA" sz="3600" b="1" i="0">
               <a:effectLst/>
               <a:latin typeface="Crimson Text" pitchFamily="2" charset="0"/>
             </a:endParaRPr>
@@ -13498,7 +13484,7 @@
           <a:p>
             <a:pPr algn="l"/>
             <a:r>
-              <a:rPr lang="en-CA" dirty="0">
+              <a:rPr lang="en-CA">
                 <a:latin typeface="Josefin Sans" pitchFamily="2" charset="0"/>
               </a:rPr>
               <a:t>THANK YOU!</a:t>
@@ -13730,7 +13716,7 @@
           <a:p>
             <a:pPr algn="l"/>
             <a:r>
-              <a:rPr lang="en-CA" b="1" dirty="0">
+              <a:rPr lang="en-CA" b="1">
                 <a:solidFill>
                   <a:schemeClr val="accent3"/>
                 </a:solidFill>
@@ -13739,7 +13725,7 @@
               </a:rPr>
               <a:t>Let’s connect on Linked In!</a:t>
             </a:r>
-            <a:endParaRPr lang="en-CA" b="1" dirty="0">
+            <a:endParaRPr lang="en-CA" b="1">
               <a:solidFill>
                 <a:schemeClr val="accent3"/>
               </a:solidFill>
@@ -13972,16 +13958,6 @@
           <a:p>
             <a:pPr algn="l"/>
             <a:r>
-              <a:rPr lang="en-CA" b="1" dirty="0">
-                <a:solidFill>
-                  <a:schemeClr val="accent3"/>
-                </a:solidFill>
-                <a:latin typeface="Crimson Text" pitchFamily="2" charset="0"/>
-                <a:hlinkClick r:id="rId4"/>
-              </a:rPr>
-              <a:t>View this repo </a:t>
-            </a:r>
-            <a:r>
               <a:rPr lang="en-CA" b="1">
                 <a:solidFill>
                   <a:schemeClr val="accent3"/>
@@ -13989,9 +13965,9 @@
                 <a:latin typeface="Crimson Text" pitchFamily="2" charset="0"/>
                 <a:hlinkClick r:id="rId4"/>
               </a:rPr>
-              <a:t>on Github</a:t>
+              <a:t>View this repo on Github</a:t>
             </a:r>
-            <a:endParaRPr lang="en-CA" b="1" dirty="0">
+            <a:endParaRPr lang="en-CA" b="1">
               <a:solidFill>
                 <a:schemeClr val="accent3"/>
               </a:solidFill>
@@ -14052,7 +14028,7 @@
           <a:lstStyle/>
           <a:p>
             <a:r>
-              <a:rPr lang="en-CA" dirty="0"/>
+              <a:rPr lang="en-CA"/>
               <a:t>Project &amp; Goals</a:t>
             </a:r>
           </a:p>
@@ -14076,43 +14052,63 @@
         </p:nvSpPr>
         <p:spPr/>
         <p:txBody>
-          <a:bodyPr>
+          <a:bodyPr vert="horz" lIns="91440" tIns="45720" rIns="91440" bIns="45720" rtlCol="0" anchor="t">
             <a:normAutofit/>
           </a:bodyPr>
           <a:lstStyle/>
           <a:p>
             <a:r>
-              <a:rPr lang="en-CA" sz="3200" dirty="0"/>
+              <a:rPr lang="en-CA" sz="3200"/>
               <a:t>The project involves a comprehensive analysis of sales and web analytics data to uncover insights about customer behavior and sales performance across various geographic locations.</a:t>
             </a:r>
           </a:p>
           <a:p>
-            <a:pPr lvl="1"/>
+            <a:pPr marL="971550" lvl="1" indent="-514350">
+              <a:buAutoNum type="arabicPeriod"/>
+            </a:pPr>
             <a:r>
-              <a:rPr lang="en-CA" sz="2800" dirty="0"/>
+              <a:rPr lang="en-CA" sz="2800"/>
               <a:t>Identifying top-performing locations by transaction revenue</a:t>
             </a:r>
-          </a:p>
-          <a:p>
-            <a:pPr lvl="1"/>
+            <a:endParaRPr lang="en-CA" sz="2800">
+              <a:cs typeface="Calibri"/>
+            </a:endParaRPr>
+          </a:p>
+          <a:p>
+            <a:pPr marL="971550" lvl="1" indent="-514350">
+              <a:buAutoNum type="arabicPeriod"/>
+            </a:pPr>
             <a:r>
-              <a:rPr lang="en-CA" sz="2800" dirty="0"/>
+              <a:rPr lang="en-CA" sz="2800"/>
               <a:t>Summarizing the revenue impact of each city and country</a:t>
             </a:r>
-          </a:p>
-          <a:p>
-            <a:pPr lvl="1"/>
+            <a:endParaRPr lang="en-CA" sz="2800">
+              <a:cs typeface="Calibri"/>
+            </a:endParaRPr>
+          </a:p>
+          <a:p>
+            <a:pPr marL="971550" lvl="1" indent="-514350">
+              <a:buAutoNum type="arabicPeriod"/>
+            </a:pPr>
             <a:r>
-              <a:rPr lang="en-CA" sz="2800" dirty="0"/>
+              <a:rPr lang="en-CA" sz="2800"/>
               <a:t>Identifying customer purchasing behaviors by location</a:t>
             </a:r>
-          </a:p>
-          <a:p>
-            <a:pPr lvl="1"/>
+            <a:endParaRPr lang="en-CA" sz="2800">
+              <a:cs typeface="Calibri"/>
+            </a:endParaRPr>
+          </a:p>
+          <a:p>
+            <a:pPr marL="971550" lvl="1" indent="-514350">
+              <a:buAutoNum type="arabicPeriod"/>
+            </a:pPr>
             <a:r>
-              <a:rPr lang="en-CA" sz="2800" dirty="0"/>
+              <a:rPr lang="en-CA" sz="2800"/>
               <a:t>Identifying loyal customer locations</a:t>
             </a:r>
+            <a:endParaRPr lang="en-CA" sz="2800">
+              <a:cs typeface="Calibri"/>
+            </a:endParaRPr>
           </a:p>
         </p:txBody>
       </p:sp>
@@ -14168,7 +14164,7 @@
           <a:lstStyle/>
           <a:p>
             <a:r>
-              <a:rPr lang="en-CA" dirty="0"/>
+              <a:rPr lang="en-CA"/>
               <a:t>Process</a:t>
             </a:r>
           </a:p>
@@ -14198,24 +14194,24 @@
           <a:lstStyle/>
           <a:p>
             <a:r>
-              <a:rPr lang="en-CA" sz="2800" dirty="0"/>
+              <a:rPr lang="en-CA" sz="2800"/>
               <a:t>Exploring each table’s CSV &amp; Loading the data into the DB</a:t>
             </a:r>
           </a:p>
           <a:p>
             <a:r>
-              <a:rPr lang="en-CA" sz="2800" dirty="0"/>
+              <a:rPr lang="en-CA" sz="2800"/>
               <a:t>Getting general overviews of the columns in each table</a:t>
             </a:r>
           </a:p>
           <a:p>
             <a:pPr lvl="1"/>
             <a:r>
-              <a:rPr lang="en-CA" sz="2800" dirty="0"/>
+              <a:rPr lang="en-CA" sz="2800"/>
               <a:t>UDF: </a:t>
             </a:r>
             <a:r>
-              <a:rPr lang="en-CA" sz="2800" dirty="0" err="1">
+              <a:rPr lang="en-CA" sz="2800" err="1">
                 <a:solidFill>
                   <a:schemeClr val="accent3"/>
                 </a:solidFill>
@@ -14223,7 +14219,7 @@
               <a:t>overview_of_each_column</a:t>
             </a:r>
             <a:r>
-              <a:rPr lang="en-CA" sz="2800" dirty="0">
+              <a:rPr lang="en-CA" sz="2800">
                 <a:solidFill>
                   <a:schemeClr val="accent3"/>
                 </a:solidFill>
@@ -14231,7 +14227,7 @@
               <a:t>(‘</a:t>
             </a:r>
             <a:r>
-              <a:rPr lang="en-CA" sz="2800" dirty="0" err="1">
+              <a:rPr lang="en-CA" sz="2800" err="1">
                 <a:solidFill>
                   <a:schemeClr val="accent3"/>
                 </a:solidFill>
@@ -14239,7 +14235,7 @@
               <a:t>tablename</a:t>
             </a:r>
             <a:r>
-              <a:rPr lang="en-CA" sz="2800" dirty="0">
+              <a:rPr lang="en-CA" sz="2800">
                 <a:solidFill>
                   <a:schemeClr val="accent3"/>
                 </a:solidFill>
@@ -14250,11 +14246,11 @@
           <a:p>
             <a:pPr lvl="1"/>
             <a:r>
-              <a:rPr lang="en-CA" sz="2800" dirty="0"/>
+              <a:rPr lang="en-CA" sz="2800"/>
               <a:t>UDF: </a:t>
             </a:r>
             <a:r>
-              <a:rPr lang="en-CA" sz="2800" dirty="0" err="1">
+              <a:rPr lang="en-CA" sz="2800" err="1">
                 <a:solidFill>
                   <a:schemeClr val="accent3"/>
                 </a:solidFill>
@@ -14262,7 +14258,7 @@
               <a:t>numbers_summary</a:t>
             </a:r>
             <a:r>
-              <a:rPr lang="en-CA" sz="2800" dirty="0">
+              <a:rPr lang="en-CA" sz="2800">
                 <a:solidFill>
                   <a:schemeClr val="accent3"/>
                 </a:solidFill>
@@ -14270,7 +14266,7 @@
               <a:t>(‘</a:t>
             </a:r>
             <a:r>
-              <a:rPr lang="en-CA" sz="2800" dirty="0" err="1">
+              <a:rPr lang="en-CA" sz="2800" err="1">
                 <a:solidFill>
                   <a:schemeClr val="accent3"/>
                 </a:solidFill>
@@ -14278,7 +14274,7 @@
               <a:t>tablename</a:t>
             </a:r>
             <a:r>
-              <a:rPr lang="en-CA" sz="2800" dirty="0">
+              <a:rPr lang="en-CA" sz="2800">
                 <a:solidFill>
                   <a:schemeClr val="accent3"/>
                 </a:solidFill>
@@ -14288,21 +14284,21 @@
           </a:p>
           <a:p>
             <a:r>
-              <a:rPr lang="en-CA" sz="2800" dirty="0"/>
+              <a:rPr lang="en-CA" sz="2800"/>
               <a:t>Created the following materialized views:</a:t>
             </a:r>
           </a:p>
           <a:p>
             <a:pPr lvl="1"/>
             <a:r>
-              <a:rPr lang="en-CA" sz="2800" dirty="0" err="1">
+              <a:rPr lang="en-CA" sz="2800" err="1">
                 <a:solidFill>
                   <a:schemeClr val="accent3"/>
                 </a:solidFill>
               </a:rPr>
               <a:t>unique_fullvisitorids</a:t>
             </a:r>
-            <a:endParaRPr lang="en-CA" sz="2800" dirty="0">
+            <a:endParaRPr lang="en-CA" sz="2800">
               <a:solidFill>
                 <a:schemeClr val="accent3"/>
               </a:solidFill>
@@ -14311,14 +14307,14 @@
           <a:p>
             <a:pPr lvl="1"/>
             <a:r>
-              <a:rPr lang="en-CA" sz="2800" dirty="0" err="1">
+              <a:rPr lang="en-CA" sz="2800" err="1">
                 <a:solidFill>
                   <a:schemeClr val="accent3"/>
                 </a:solidFill>
               </a:rPr>
               <a:t>analytics_revenue_table</a:t>
             </a:r>
-            <a:endParaRPr lang="en-CA" sz="2800" dirty="0">
+            <a:endParaRPr lang="en-CA" sz="2800">
               <a:solidFill>
                 <a:schemeClr val="accent3"/>
               </a:solidFill>
@@ -14326,18 +14322,18 @@
           </a:p>
           <a:p>
             <a:r>
-              <a:rPr lang="en-CA" sz="2800" dirty="0"/>
+              <a:rPr lang="en-CA" sz="2800"/>
               <a:t>Cleaning processes</a:t>
             </a:r>
           </a:p>
           <a:p>
             <a:pPr lvl="1"/>
             <a:r>
-              <a:rPr lang="en-CA" sz="2600" dirty="0"/>
+              <a:rPr lang="en-CA" sz="2600"/>
               <a:t>UDF: </a:t>
             </a:r>
             <a:r>
-              <a:rPr lang="en-CA" sz="2600" dirty="0" err="1">
+              <a:rPr lang="en-CA" sz="2600" err="1">
                 <a:solidFill>
                   <a:schemeClr val="accent3"/>
                 </a:solidFill>
@@ -14345,7 +14341,7 @@
               <a:t>dividebymil</a:t>
             </a:r>
             <a:r>
-              <a:rPr lang="en-CA" sz="2600" dirty="0">
+              <a:rPr lang="en-CA" sz="2600">
                 <a:solidFill>
                   <a:schemeClr val="accent3"/>
                 </a:solidFill>
@@ -14353,7 +14349,7 @@
               <a:t>(</a:t>
             </a:r>
             <a:r>
-              <a:rPr lang="en-CA" sz="2600" dirty="0" err="1">
+              <a:rPr lang="en-CA" sz="2600" err="1">
                 <a:solidFill>
                   <a:schemeClr val="accent3"/>
                 </a:solidFill>
@@ -14361,7 +14357,7 @@
               <a:t>columnname</a:t>
             </a:r>
             <a:r>
-              <a:rPr lang="en-CA" sz="2600" dirty="0">
+              <a:rPr lang="en-CA" sz="2600">
                 <a:solidFill>
                   <a:schemeClr val="accent3"/>
                 </a:solidFill>
@@ -14372,7 +14368,7 @@
           <a:p>
             <a:pPr lvl="1"/>
             <a:r>
-              <a:rPr lang="en-CA" sz="2600" dirty="0"/>
+              <a:rPr lang="en-CA" sz="2600"/>
               <a:t>Created new tables for formatted time.</a:t>
             </a:r>
           </a:p>
@@ -14430,7 +14426,7 @@
           <a:lstStyle/>
           <a:p>
             <a:r>
-              <a:rPr lang="en-CA" dirty="0"/>
+              <a:rPr lang="en-CA"/>
               <a:t>Results</a:t>
             </a:r>
           </a:p>
@@ -14465,7 +14461,7 @@
           <a:lstStyle/>
           <a:p>
             <a:r>
-              <a:rPr lang="en-CA" sz="2800" dirty="0"/>
+              <a:rPr lang="en-CA" sz="2800"/>
               <a:t>We've identified where majority of transactions are coming from per country</a:t>
             </a:r>
           </a:p>
@@ -14473,13 +14469,13 @@
             <a:pPr marL="0" indent="0">
               <a:buNone/>
             </a:pPr>
-            <a:endParaRPr lang="en-CA" sz="2800" dirty="0"/>
+            <a:endParaRPr lang="en-CA" sz="2800"/>
           </a:p>
           <a:p>
             <a:pPr marL="0" indent="0">
               <a:buNone/>
             </a:pPr>
-            <a:endParaRPr lang="en-CA" sz="2800" dirty="0"/>
+            <a:endParaRPr lang="en-CA" sz="2800"/>
           </a:p>
         </p:txBody>
       </p:sp>
@@ -14571,7 +14567,7 @@
           <a:lstStyle/>
           <a:p>
             <a:r>
-              <a:rPr lang="en-CA" dirty="0"/>
+              <a:rPr lang="en-CA"/>
               <a:t>Results</a:t>
             </a:r>
           </a:p>
@@ -14665,7 +14661,7 @@
           <a:lstStyle/>
           <a:p>
             <a:r>
-              <a:rPr lang="en-CA" dirty="0"/>
+              <a:rPr lang="en-CA"/>
               <a:t>Results</a:t>
             </a:r>
           </a:p>
@@ -14695,19 +14691,19 @@
           <a:lstStyle/>
           <a:p>
             <a:r>
-              <a:rPr lang="en-CA" sz="3200" dirty="0"/>
+              <a:rPr lang="en-CA" sz="3200"/>
               <a:t>We've identified the peak site visit hours per country.</a:t>
             </a:r>
           </a:p>
           <a:p>
             <a:pPr lvl="1"/>
             <a:r>
-              <a:rPr lang="en-CA" sz="3000" dirty="0"/>
+              <a:rPr lang="en-CA" sz="3000"/>
               <a:t>For example, in Canada and United States:</a:t>
             </a:r>
           </a:p>
           <a:p>
-            <a:endParaRPr lang="en-CA" sz="3200" dirty="0"/>
+            <a:endParaRPr lang="en-CA" sz="3200"/>
           </a:p>
         </p:txBody>
       </p:sp>
@@ -14808,7 +14804,6 @@
               <a:rPr lang="en-CA"/>
               <a:t>Results</a:t>
             </a:r>
-            <a:endParaRPr lang="en-CA" dirty="0"/>
           </a:p>
         </p:txBody>
       </p:sp>
@@ -14841,7 +14836,7 @@
           <a:lstStyle/>
           <a:p>
             <a:r>
-              <a:rPr lang="en-CA" sz="3200" dirty="0"/>
+              <a:rPr lang="en-CA" sz="3200"/>
               <a:t>We've identified the locations of our most loyal customers.</a:t>
             </a:r>
           </a:p>
@@ -14947,7 +14942,7 @@
           <a:p>
             <a:pPr algn="ctr"/>
             <a:r>
-              <a:rPr lang="en-CA" dirty="0"/>
+              <a:rPr lang="en-CA"/>
               <a:t>Conclusion</a:t>
             </a:r>
           </a:p>
@@ -15011,7 +15006,7 @@
           <a:lstStyle/>
           <a:p>
             <a:r>
-              <a:rPr lang="en-CA" dirty="0"/>
+              <a:rPr lang="en-CA"/>
               <a:t>Challenges</a:t>
             </a:r>
           </a:p>
@@ -15041,39 +15036,39 @@
           <a:lstStyle/>
           <a:p>
             <a:r>
-              <a:rPr lang="en-CA" sz="3600" dirty="0"/>
+              <a:rPr lang="en-CA" sz="3600"/>
               <a:t>I forgot my </a:t>
             </a:r>
             <a:r>
-              <a:rPr lang="en-CA" sz="3600" dirty="0" err="1"/>
+              <a:rPr lang="en-CA" sz="3600" err="1"/>
               <a:t>psql</a:t>
             </a:r>
             <a:r>
-              <a:rPr lang="en-CA" sz="3600" dirty="0"/>
+              <a:rPr lang="en-CA" sz="3600"/>
               <a:t> passphrase.</a:t>
             </a:r>
           </a:p>
           <a:p>
             <a:pPr lvl="1"/>
             <a:r>
-              <a:rPr lang="en-CA" sz="3200" dirty="0"/>
+              <a:rPr lang="en-CA" sz="3200"/>
               <a:t>Disabled &amp; Re-enabled authentication requirements</a:t>
             </a:r>
           </a:p>
           <a:p>
             <a:r>
-              <a:rPr lang="en-CA" sz="3600" dirty="0"/>
+              <a:rPr lang="en-CA" sz="3600"/>
               <a:t>Inefficiencies of using UDFs repeatedly.</a:t>
             </a:r>
           </a:p>
           <a:p>
             <a:pPr lvl="1"/>
             <a:r>
-              <a:rPr lang="en-CA" sz="3200" dirty="0"/>
+              <a:rPr lang="en-CA" sz="3200"/>
               <a:t>Materialized view of calling the </a:t>
             </a:r>
             <a:r>
-              <a:rPr lang="en-CA" sz="3200" dirty="0">
+              <a:rPr lang="en-CA" sz="3200">
                 <a:solidFill>
                   <a:schemeClr val="accent3"/>
                 </a:solidFill>
@@ -15081,7 +15076,7 @@
               <a:t>‘</a:t>
             </a:r>
             <a:r>
-              <a:rPr lang="en-CA" sz="3200" dirty="0" err="1">
+              <a:rPr lang="en-CA" sz="3200" err="1">
                 <a:solidFill>
                   <a:schemeClr val="accent3"/>
                 </a:solidFill>
@@ -15089,7 +15084,7 @@
               <a:t>overview_of_each_column</a:t>
             </a:r>
             <a:r>
-              <a:rPr lang="en-CA" sz="3200" dirty="0">
+              <a:rPr lang="en-CA" sz="3200">
                 <a:solidFill>
                   <a:schemeClr val="accent3"/>
                 </a:solidFill>
@@ -15097,7 +15092,7 @@
               <a:t>’ </a:t>
             </a:r>
             <a:r>
-              <a:rPr lang="en-CA" sz="3200" dirty="0"/>
+              <a:rPr lang="en-CA" sz="3200"/>
               <a:t>function on every table</a:t>
             </a:r>
           </a:p>
